--- a/final_presentation.pptx
+++ b/final_presentation.pptx
@@ -5,25 +5,24 @@
     <p:sldMasterId id="2147483840" r:id="rId1"/>
   </p:sldMasterIdLst>
   <p:notesMasterIdLst>
-    <p:notesMasterId r:id="rId18"/>
+    <p:notesMasterId r:id="rId17"/>
   </p:notesMasterIdLst>
   <p:sldIdLst>
     <p:sldId id="259" r:id="rId2"/>
     <p:sldId id="265" r:id="rId3"/>
     <p:sldId id="266" r:id="rId4"/>
-    <p:sldId id="267" r:id="rId5"/>
-    <p:sldId id="261" r:id="rId6"/>
-    <p:sldId id="264" r:id="rId7"/>
-    <p:sldId id="262" r:id="rId8"/>
-    <p:sldId id="260" r:id="rId9"/>
-    <p:sldId id="263" r:id="rId10"/>
-    <p:sldId id="269" r:id="rId11"/>
-    <p:sldId id="271" r:id="rId12"/>
-    <p:sldId id="268" r:id="rId13"/>
-    <p:sldId id="270" r:id="rId14"/>
-    <p:sldId id="256" r:id="rId15"/>
-    <p:sldId id="257" r:id="rId16"/>
-    <p:sldId id="258" r:id="rId17"/>
+    <p:sldId id="261" r:id="rId5"/>
+    <p:sldId id="264" r:id="rId6"/>
+    <p:sldId id="262" r:id="rId7"/>
+    <p:sldId id="260" r:id="rId8"/>
+    <p:sldId id="263" r:id="rId9"/>
+    <p:sldId id="269" r:id="rId10"/>
+    <p:sldId id="271" r:id="rId11"/>
+    <p:sldId id="268" r:id="rId12"/>
+    <p:sldId id="256" r:id="rId13"/>
+    <p:sldId id="257" r:id="rId14"/>
+    <p:sldId id="258" r:id="rId15"/>
+    <p:sldId id="267" r:id="rId16"/>
   </p:sldIdLst>
   <p:sldSz cx="12192000" cy="6858000"/>
   <p:notesSz cx="6858000" cy="9144000"/>
@@ -223,7 +222,7 @@
           <a:p>
             <a:fld id="{0875465D-522B-ED45-B1FB-8FA7E3F147D7}" type="datetimeFigureOut">
               <a:rPr lang="en-US" smtClean="0"/>
-              <a:t>4/30/16</a:t>
+              <a:t>5/1/16</a:t>
             </a:fld>
             <a:endParaRPr lang="en-US"/>
           </a:p>
@@ -662,7 +661,7 @@
           <a:p>
             <a:fld id="{386D7C08-92EB-3C4E-B9B5-487B0CEFCC8B}" type="slidenum">
               <a:rPr lang="en-US" smtClean="0"/>
-              <a:t>6</a:t>
+              <a:t>5</a:t>
             </a:fld>
             <a:endParaRPr lang="en-US"/>
           </a:p>
@@ -672,6 +671,290 @@
     <p:extLst>
       <p:ext uri="{BB962C8B-B14F-4D97-AF65-F5344CB8AC3E}">
         <p14:creationId xmlns:p14="http://schemas.microsoft.com/office/powerpoint/2010/main" val="42571820"/>
+      </p:ext>
+    </p:extLst>
+  </p:cSld>
+  <p:clrMapOvr>
+    <a:masterClrMapping/>
+  </p:clrMapOvr>
+</p:notes>
+</file>
+
+<file path=ppt/notesSlides/notesSlide3.xml><?xml version="1.0" encoding="utf-8"?>
+<p:notes xmlns:a="http://schemas.openxmlformats.org/drawingml/2006/main" xmlns:r="http://schemas.openxmlformats.org/officeDocument/2006/relationships" xmlns:p="http://schemas.openxmlformats.org/presentationml/2006/main">
+  <p:cSld>
+    <p:spTree>
+      <p:nvGrpSpPr>
+        <p:cNvPr id="1" name=""/>
+        <p:cNvGrpSpPr/>
+        <p:nvPr/>
+      </p:nvGrpSpPr>
+      <p:grpSpPr>
+        <a:xfrm>
+          <a:off x="0" y="0"/>
+          <a:ext cx="0" cy="0"/>
+          <a:chOff x="0" y="0"/>
+          <a:chExt cx="0" cy="0"/>
+        </a:xfrm>
+      </p:grpSpPr>
+      <p:sp>
+        <p:nvSpPr>
+          <p:cNvPr id="2" name="Slide Image Placeholder 1"/>
+          <p:cNvSpPr>
+            <a:spLocks noGrp="1" noRot="1" noChangeAspect="1"/>
+          </p:cNvSpPr>
+          <p:nvPr>
+            <p:ph type="sldImg"/>
+          </p:nvPr>
+        </p:nvSpPr>
+        <p:spPr/>
+      </p:sp>
+      <p:sp>
+        <p:nvSpPr>
+          <p:cNvPr id="3" name="Notes Placeholder 2"/>
+          <p:cNvSpPr>
+            <a:spLocks noGrp="1"/>
+          </p:cNvSpPr>
+          <p:nvPr>
+            <p:ph type="body" idx="1"/>
+          </p:nvPr>
+        </p:nvSpPr>
+        <p:spPr/>
+        <p:txBody>
+          <a:bodyPr/>
+          <a:lstStyle/>
+          <a:p>
+            <a:endParaRPr lang="en-US" dirty="0"/>
+          </a:p>
+        </p:txBody>
+      </p:sp>
+      <p:sp>
+        <p:nvSpPr>
+          <p:cNvPr id="4" name="Slide Number Placeholder 3"/>
+          <p:cNvSpPr>
+            <a:spLocks noGrp="1"/>
+          </p:cNvSpPr>
+          <p:nvPr>
+            <p:ph type="sldNum" sz="quarter" idx="10"/>
+          </p:nvPr>
+        </p:nvSpPr>
+        <p:spPr/>
+        <p:txBody>
+          <a:bodyPr/>
+          <a:lstStyle/>
+          <a:p>
+            <a:fld id="{386D7C08-92EB-3C4E-B9B5-487B0CEFCC8B}" type="slidenum">
+              <a:rPr lang="en-US" smtClean="0"/>
+              <a:t>6</a:t>
+            </a:fld>
+            <a:endParaRPr lang="en-US"/>
+          </a:p>
+        </p:txBody>
+      </p:sp>
+    </p:spTree>
+    <p:extLst>
+      <p:ext uri="{BB962C8B-B14F-4D97-AF65-F5344CB8AC3E}">
+        <p14:creationId xmlns:p14="http://schemas.microsoft.com/office/powerpoint/2010/main" val="16516687"/>
+      </p:ext>
+    </p:extLst>
+  </p:cSld>
+  <p:clrMapOvr>
+    <a:masterClrMapping/>
+  </p:clrMapOvr>
+</p:notes>
+</file>
+
+<file path=ppt/notesSlides/notesSlide4.xml><?xml version="1.0" encoding="utf-8"?>
+<p:notes xmlns:a="http://schemas.openxmlformats.org/drawingml/2006/main" xmlns:r="http://schemas.openxmlformats.org/officeDocument/2006/relationships" xmlns:p="http://schemas.openxmlformats.org/presentationml/2006/main">
+  <p:cSld>
+    <p:spTree>
+      <p:nvGrpSpPr>
+        <p:cNvPr id="1" name=""/>
+        <p:cNvGrpSpPr/>
+        <p:nvPr/>
+      </p:nvGrpSpPr>
+      <p:grpSpPr>
+        <a:xfrm>
+          <a:off x="0" y="0"/>
+          <a:ext cx="0" cy="0"/>
+          <a:chOff x="0" y="0"/>
+          <a:chExt cx="0" cy="0"/>
+        </a:xfrm>
+      </p:grpSpPr>
+      <p:sp>
+        <p:nvSpPr>
+          <p:cNvPr id="2" name="Slide Image Placeholder 1"/>
+          <p:cNvSpPr>
+            <a:spLocks noGrp="1" noRot="1" noChangeAspect="1"/>
+          </p:cNvSpPr>
+          <p:nvPr>
+            <p:ph type="sldImg"/>
+          </p:nvPr>
+        </p:nvSpPr>
+        <p:spPr/>
+      </p:sp>
+      <p:sp>
+        <p:nvSpPr>
+          <p:cNvPr id="3" name="Notes Placeholder 2"/>
+          <p:cNvSpPr>
+            <a:spLocks noGrp="1"/>
+          </p:cNvSpPr>
+          <p:nvPr>
+            <p:ph type="body" idx="1"/>
+          </p:nvPr>
+        </p:nvSpPr>
+        <p:spPr/>
+        <p:txBody>
+          <a:bodyPr/>
+          <a:lstStyle/>
+          <a:p>
+            <a:r>
+              <a:rPr lang="en-US" dirty="0" smtClean="0"/>
+              <a:t>Plot of</a:t>
+            </a:r>
+            <a:r>
+              <a:rPr lang="en-US" baseline="0" dirty="0" smtClean="0"/>
+              <a:t> the differential genes and the posterior likelihood of the DE genes, the higher up you go the more confident we are that the gene is differentially expressed, the genes on the left are </a:t>
+            </a:r>
+            <a:r>
+              <a:rPr lang="en-US" baseline="0" dirty="0" err="1" smtClean="0"/>
+              <a:t>downregulated</a:t>
+            </a:r>
+            <a:r>
+              <a:rPr lang="en-US" baseline="0" dirty="0" smtClean="0"/>
+              <a:t>, the ones on the right are </a:t>
+            </a:r>
+            <a:r>
+              <a:rPr lang="en-US" baseline="0" dirty="0" err="1" smtClean="0"/>
+              <a:t>upregulated</a:t>
+            </a:r>
+            <a:r>
+              <a:rPr lang="en-US" baseline="0" dirty="0" smtClean="0"/>
+              <a:t>.</a:t>
+            </a:r>
+            <a:endParaRPr lang="en-US" dirty="0"/>
+          </a:p>
+        </p:txBody>
+      </p:sp>
+      <p:sp>
+        <p:nvSpPr>
+          <p:cNvPr id="4" name="Slide Number Placeholder 3"/>
+          <p:cNvSpPr>
+            <a:spLocks noGrp="1"/>
+          </p:cNvSpPr>
+          <p:nvPr>
+            <p:ph type="sldNum" sz="quarter" idx="10"/>
+          </p:nvPr>
+        </p:nvSpPr>
+        <p:spPr/>
+        <p:txBody>
+          <a:bodyPr/>
+          <a:lstStyle/>
+          <a:p>
+            <a:fld id="{386D7C08-92EB-3C4E-B9B5-487B0CEFCC8B}" type="slidenum">
+              <a:rPr lang="en-US" smtClean="0"/>
+              <a:t>10</a:t>
+            </a:fld>
+            <a:endParaRPr lang="en-US"/>
+          </a:p>
+        </p:txBody>
+      </p:sp>
+    </p:spTree>
+    <p:extLst>
+      <p:ext uri="{BB962C8B-B14F-4D97-AF65-F5344CB8AC3E}">
+        <p14:creationId xmlns:p14="http://schemas.microsoft.com/office/powerpoint/2010/main" val="709080971"/>
+      </p:ext>
+    </p:extLst>
+  </p:cSld>
+  <p:clrMapOvr>
+    <a:masterClrMapping/>
+  </p:clrMapOvr>
+</p:notes>
+</file>
+
+<file path=ppt/notesSlides/notesSlide5.xml><?xml version="1.0" encoding="utf-8"?>
+<p:notes xmlns:a="http://schemas.openxmlformats.org/drawingml/2006/main" xmlns:r="http://schemas.openxmlformats.org/officeDocument/2006/relationships" xmlns:p="http://schemas.openxmlformats.org/presentationml/2006/main">
+  <p:cSld>
+    <p:spTree>
+      <p:nvGrpSpPr>
+        <p:cNvPr id="1" name=""/>
+        <p:cNvGrpSpPr/>
+        <p:nvPr/>
+      </p:nvGrpSpPr>
+      <p:grpSpPr>
+        <a:xfrm>
+          <a:off x="0" y="0"/>
+          <a:ext cx="0" cy="0"/>
+          <a:chOff x="0" y="0"/>
+          <a:chExt cx="0" cy="0"/>
+        </a:xfrm>
+      </p:grpSpPr>
+      <p:sp>
+        <p:nvSpPr>
+          <p:cNvPr id="2" name="Slide Image Placeholder 1"/>
+          <p:cNvSpPr>
+            <a:spLocks noGrp="1" noRot="1" noChangeAspect="1"/>
+          </p:cNvSpPr>
+          <p:nvPr>
+            <p:ph type="sldImg"/>
+          </p:nvPr>
+        </p:nvSpPr>
+        <p:spPr/>
+      </p:sp>
+      <p:sp>
+        <p:nvSpPr>
+          <p:cNvPr id="3" name="Notes Placeholder 2"/>
+          <p:cNvSpPr>
+            <a:spLocks noGrp="1"/>
+          </p:cNvSpPr>
+          <p:nvPr>
+            <p:ph type="body" idx="1"/>
+          </p:nvPr>
+        </p:nvSpPr>
+        <p:spPr/>
+        <p:txBody>
+          <a:bodyPr/>
+          <a:lstStyle/>
+          <a:p>
+            <a:r>
+              <a:rPr lang="en-US" dirty="0" smtClean="0"/>
+              <a:t>A is the arithmetic mean,</a:t>
+            </a:r>
+            <a:r>
+              <a:rPr lang="en-US" baseline="0" dirty="0" smtClean="0"/>
+              <a:t> M is the log ratio sun/shade (if they’re equal then the ratio with equal 1 and the log of 1 is zero)</a:t>
+            </a:r>
+            <a:endParaRPr lang="en-US" dirty="0"/>
+          </a:p>
+        </p:txBody>
+      </p:sp>
+      <p:sp>
+        <p:nvSpPr>
+          <p:cNvPr id="4" name="Slide Number Placeholder 3"/>
+          <p:cNvSpPr>
+            <a:spLocks noGrp="1"/>
+          </p:cNvSpPr>
+          <p:nvPr>
+            <p:ph type="sldNum" sz="quarter" idx="10"/>
+          </p:nvPr>
+        </p:nvSpPr>
+        <p:spPr/>
+        <p:txBody>
+          <a:bodyPr/>
+          <a:lstStyle/>
+          <a:p>
+            <a:fld id="{386D7C08-92EB-3C4E-B9B5-487B0CEFCC8B}" type="slidenum">
+              <a:rPr lang="en-US" smtClean="0"/>
+              <a:t>11</a:t>
+            </a:fld>
+            <a:endParaRPr lang="en-US"/>
+          </a:p>
+        </p:txBody>
+      </p:sp>
+    </p:spTree>
+    <p:extLst>
+      <p:ext uri="{BB962C8B-B14F-4D97-AF65-F5344CB8AC3E}">
+        <p14:creationId xmlns:p14="http://schemas.microsoft.com/office/powerpoint/2010/main" val="366933290"/>
       </p:ext>
     </p:extLst>
   </p:cSld>
@@ -1151,7 +1434,7 @@
           <a:p>
             <a:fld id="{C0940A48-A5D7-44A1-ADC1-11F789758C36}" type="datetimeFigureOut">
               <a:rPr lang="en-US" smtClean="0"/>
-              <a:t>4/30/16</a:t>
+              <a:t>5/1/16</a:t>
             </a:fld>
             <a:endParaRPr lang="en-US"/>
           </a:p>
@@ -1355,7 +1638,7 @@
           <a:p>
             <a:fld id="{C0940A48-A5D7-44A1-ADC1-11F789758C36}" type="datetimeFigureOut">
               <a:rPr lang="en-US" smtClean="0"/>
-              <a:t>4/30/16</a:t>
+              <a:t>5/1/16</a:t>
             </a:fld>
             <a:endParaRPr lang="en-US"/>
           </a:p>
@@ -1559,7 +1842,7 @@
           <a:p>
             <a:fld id="{C0940A48-A5D7-44A1-ADC1-11F789758C36}" type="datetimeFigureOut">
               <a:rPr lang="en-US" smtClean="0"/>
-              <a:t>4/30/16</a:t>
+              <a:t>5/1/16</a:t>
             </a:fld>
             <a:endParaRPr lang="en-US"/>
           </a:p>
@@ -1765,7 +2048,7 @@
           <a:p>
             <a:fld id="{C0940A48-A5D7-44A1-ADC1-11F789758C36}" type="datetimeFigureOut">
               <a:rPr lang="en-US" smtClean="0"/>
-              <a:t>4/30/16</a:t>
+              <a:t>5/1/16</a:t>
             </a:fld>
             <a:endParaRPr lang="en-US"/>
           </a:p>
@@ -2363,7 +2646,7 @@
           <a:p>
             <a:fld id="{C0940A48-A5D7-44A1-ADC1-11F789758C36}" type="datetimeFigureOut">
               <a:rPr lang="en-US" smtClean="0"/>
-              <a:t>4/30/16</a:t>
+              <a:t>5/1/16</a:t>
             </a:fld>
             <a:endParaRPr lang="en-US"/>
           </a:p>
@@ -2685,7 +2968,7 @@
           <a:p>
             <a:fld id="{C0940A48-A5D7-44A1-ADC1-11F789758C36}" type="datetimeFigureOut">
               <a:rPr lang="en-US" smtClean="0"/>
-              <a:t>4/30/16</a:t>
+              <a:t>5/1/16</a:t>
             </a:fld>
             <a:endParaRPr lang="en-US"/>
           </a:p>
@@ -3146,7 +3429,7 @@
           <a:p>
             <a:fld id="{C0940A48-A5D7-44A1-ADC1-11F789758C36}" type="datetimeFigureOut">
               <a:rPr lang="en-US" smtClean="0"/>
-              <a:t>4/30/16</a:t>
+              <a:t>5/1/16</a:t>
             </a:fld>
             <a:endParaRPr lang="en-US"/>
           </a:p>
@@ -3288,7 +3571,7 @@
           <a:p>
             <a:fld id="{C0940A48-A5D7-44A1-ADC1-11F789758C36}" type="datetimeFigureOut">
               <a:rPr lang="en-US" smtClean="0"/>
-              <a:t>4/30/16</a:t>
+              <a:t>5/1/16</a:t>
             </a:fld>
             <a:endParaRPr lang="en-US"/>
           </a:p>
@@ -3407,7 +3690,7 @@
           <a:p>
             <a:fld id="{C0940A48-A5D7-44A1-ADC1-11F789758C36}" type="datetimeFigureOut">
               <a:rPr lang="en-US" smtClean="0"/>
-              <a:t>4/30/16</a:t>
+              <a:t>5/1/16</a:t>
             </a:fld>
             <a:endParaRPr lang="en-US"/>
           </a:p>
@@ -3830,7 +4113,7 @@
           <a:p>
             <a:fld id="{C0940A48-A5D7-44A1-ADC1-11F789758C36}" type="datetimeFigureOut">
               <a:rPr lang="en-US" smtClean="0"/>
-              <a:t>4/30/16</a:t>
+              <a:t>5/1/16</a:t>
             </a:fld>
             <a:endParaRPr lang="en-US"/>
           </a:p>
@@ -4272,7 +4555,7 @@
           <a:p>
             <a:fld id="{C0940A48-A5D7-44A1-ADC1-11F789758C36}" type="datetimeFigureOut">
               <a:rPr lang="en-US" smtClean="0"/>
-              <a:t>4/30/16</a:t>
+              <a:t>5/1/16</a:t>
             </a:fld>
             <a:endParaRPr lang="en-US"/>
           </a:p>
@@ -4567,7 +4850,7 @@
           <a:p>
             <a:fld id="{C0940A48-A5D7-44A1-ADC1-11F789758C36}" type="datetimeFigureOut">
               <a:rPr lang="en-US" smtClean="0"/>
-              <a:t>4/30/16</a:t>
+              <a:t>5/1/16</a:t>
             </a:fld>
             <a:endParaRPr lang="en-US"/>
           </a:p>
@@ -5036,12 +5319,21 @@
             <p:ph type="ctrTitle"/>
           </p:nvPr>
         </p:nvSpPr>
-        <p:spPr/>
+        <p:spPr>
+          <a:xfrm>
+            <a:off x="1562100" y="2205563"/>
+            <a:ext cx="9068586" cy="2590800"/>
+          </a:xfrm>
+        </p:spPr>
         <p:txBody>
           <a:bodyPr/>
           <a:lstStyle/>
           <a:p>
-            <a:endParaRPr lang="en-US"/>
+            <a:r>
+              <a:rPr lang="en-US" dirty="0" smtClean="0"/>
+              <a:t>Differential gene expression networks</a:t>
+            </a:r>
+            <a:endParaRPr lang="en-US" dirty="0"/>
           </a:p>
         </p:txBody>
       </p:sp>
@@ -5060,7 +5352,15 @@
           <a:bodyPr/>
           <a:lstStyle/>
           <a:p>
-            <a:endParaRPr lang="en-US"/>
+            <a:r>
+              <a:rPr lang="en-US" dirty="0" smtClean="0"/>
+              <a:t>Michael Webb, Mallory Lai, Adam </a:t>
+            </a:r>
+            <a:r>
+              <a:rPr lang="en-US" dirty="0" err="1" smtClean="0"/>
+              <a:t>Kacmarsky</a:t>
+            </a:r>
+            <a:endParaRPr lang="en-US" dirty="0"/>
           </a:p>
         </p:txBody>
       </p:sp>
@@ -5116,45 +5416,57 @@
           <a:bodyPr/>
           <a:lstStyle/>
           <a:p>
+            <a:pPr algn="ctr"/>
             <a:r>
               <a:rPr lang="en-US" dirty="0" smtClean="0"/>
-              <a:t>Should I add </a:t>
-            </a:r>
-            <a:r>
-              <a:rPr lang="en-US" dirty="0" err="1" smtClean="0"/>
-              <a:t>edgeR</a:t>
+              <a:t>Plot of </a:t>
             </a:r>
             <a:r>
               <a:rPr lang="en-US" dirty="0" smtClean="0"/>
-              <a:t> plots???</a:t>
+              <a:t>Posterior Likelihoods</a:t>
             </a:r>
             <a:endParaRPr lang="en-US" dirty="0"/>
           </a:p>
         </p:txBody>
       </p:sp>
-      <p:sp>
-        <p:nvSpPr>
-          <p:cNvPr id="3" name="Content Placeholder 2"/>
-          <p:cNvSpPr>
-            <a:spLocks noGrp="1"/>
-          </p:cNvSpPr>
+      <p:pic>
+        <p:nvPicPr>
+          <p:cNvPr id="4" name="Content Placeholder 3"/>
+          <p:cNvPicPr>
+            <a:picLocks noGrp="1" noChangeAspect="1"/>
+          </p:cNvPicPr>
           <p:nvPr>
             <p:ph idx="1"/>
           </p:nvPr>
-        </p:nvSpPr>
-        <p:spPr/>
-        <p:txBody>
-          <a:bodyPr/>
-          <a:lstStyle/>
-          <a:p>
-            <a:endParaRPr lang="en-US"/>
-          </a:p>
-        </p:txBody>
-      </p:sp>
+        </p:nvPicPr>
+        <p:blipFill>
+          <a:blip r:embed="rId3">
+            <a:extLst>
+              <a:ext uri="{28A0092B-C50C-407E-A947-70E740481C1C}">
+                <a14:useLocalDpi xmlns:a14="http://schemas.microsoft.com/office/drawing/2010/main" val="0"/>
+              </a:ext>
+            </a:extLst>
+          </a:blip>
+          <a:stretch>
+            <a:fillRect/>
+          </a:stretch>
+        </p:blipFill>
+        <p:spPr>
+          <a:xfrm>
+            <a:off x="2977942" y="2103438"/>
+            <a:ext cx="6236115" cy="3932237"/>
+          </a:xfrm>
+          <a:ln w="63500">
+            <a:solidFill>
+              <a:schemeClr val="bg1"/>
+            </a:solidFill>
+          </a:ln>
+        </p:spPr>
+      </p:pic>
     </p:spTree>
     <p:extLst>
       <p:ext uri="{BB962C8B-B14F-4D97-AF65-F5344CB8AC3E}">
-        <p14:creationId xmlns:p14="http://schemas.microsoft.com/office/powerpoint/2010/main" val="1589085817"/>
+        <p14:creationId xmlns:p14="http://schemas.microsoft.com/office/powerpoint/2010/main" val="509310755"/>
       </p:ext>
     </p:extLst>
   </p:cSld>
@@ -5196,9 +5508,14 @@
           <a:bodyPr/>
           <a:lstStyle/>
           <a:p>
+            <a:pPr algn="ctr"/>
+            <a:r>
+              <a:rPr lang="en-US" dirty="0" err="1" smtClean="0"/>
+              <a:t>baySeq</a:t>
+            </a:r>
             <a:r>
               <a:rPr lang="en-US" dirty="0" smtClean="0"/>
-              <a:t>Plot of posteriors</a:t>
+              <a:t> MA plot</a:t>
             </a:r>
             <a:endParaRPr lang="en-US" dirty="0"/>
           </a:p>
@@ -5215,7 +5532,7 @@
           </p:nvPr>
         </p:nvPicPr>
         <p:blipFill>
-          <a:blip r:embed="rId2">
+          <a:blip r:embed="rId3">
             <a:extLst>
               <a:ext uri="{28A0092B-C50C-407E-A947-70E740481C1C}">
                 <a14:useLocalDpi xmlns:a14="http://schemas.microsoft.com/office/drawing/2010/main" val="0"/>
@@ -5228,95 +5545,14 @@
         </p:blipFill>
         <p:spPr>
           <a:xfrm>
-            <a:off x="2977942" y="2103438"/>
-            <a:ext cx="6236115" cy="3932237"/>
-          </a:xfrm>
-        </p:spPr>
-      </p:pic>
-    </p:spTree>
-    <p:extLst>
-      <p:ext uri="{BB962C8B-B14F-4D97-AF65-F5344CB8AC3E}">
-        <p14:creationId xmlns:p14="http://schemas.microsoft.com/office/powerpoint/2010/main" val="509310755"/>
-      </p:ext>
-    </p:extLst>
-  </p:cSld>
-  <p:clrMapOvr>
-    <a:masterClrMapping/>
-  </p:clrMapOvr>
-</p:sld>
-</file>
-
-<file path=ppt/slides/slide12.xml><?xml version="1.0" encoding="utf-8"?>
-<p:sld xmlns:a="http://schemas.openxmlformats.org/drawingml/2006/main" xmlns:r="http://schemas.openxmlformats.org/officeDocument/2006/relationships" xmlns:p="http://schemas.openxmlformats.org/presentationml/2006/main">
-  <p:cSld>
-    <p:spTree>
-      <p:nvGrpSpPr>
-        <p:cNvPr id="1" name=""/>
-        <p:cNvGrpSpPr/>
-        <p:nvPr/>
-      </p:nvGrpSpPr>
-      <p:grpSpPr>
-        <a:xfrm>
-          <a:off x="0" y="0"/>
-          <a:ext cx="0" cy="0"/>
-          <a:chOff x="0" y="0"/>
-          <a:chExt cx="0" cy="0"/>
-        </a:xfrm>
-      </p:grpSpPr>
-      <p:sp>
-        <p:nvSpPr>
-          <p:cNvPr id="2" name="Title 1"/>
-          <p:cNvSpPr>
-            <a:spLocks noGrp="1"/>
-          </p:cNvSpPr>
-          <p:nvPr>
-            <p:ph type="title"/>
-          </p:nvPr>
-        </p:nvSpPr>
-        <p:spPr/>
-        <p:txBody>
-          <a:bodyPr/>
-          <a:lstStyle/>
-          <a:p>
-            <a:r>
-              <a:rPr lang="en-US" dirty="0" err="1" smtClean="0"/>
-              <a:t>baySeq</a:t>
-            </a:r>
-            <a:r>
-              <a:rPr lang="en-US" dirty="0" smtClean="0"/>
-              <a:t> MA plot</a:t>
-            </a:r>
-            <a:endParaRPr lang="en-US" dirty="0"/>
-          </a:p>
-        </p:txBody>
-      </p:sp>
-      <p:pic>
-        <p:nvPicPr>
-          <p:cNvPr id="4" name="Content Placeholder 3"/>
-          <p:cNvPicPr>
-            <a:picLocks noGrp="1" noChangeAspect="1"/>
-          </p:cNvPicPr>
-          <p:nvPr>
-            <p:ph idx="1"/>
-          </p:nvPr>
-        </p:nvPicPr>
-        <p:blipFill>
-          <a:blip r:embed="rId2">
-            <a:extLst>
-              <a:ext uri="{28A0092B-C50C-407E-A947-70E740481C1C}">
-                <a14:useLocalDpi xmlns:a14="http://schemas.microsoft.com/office/drawing/2010/main" val="0"/>
-              </a:ext>
-            </a:extLst>
-          </a:blip>
-          <a:stretch>
-            <a:fillRect/>
-          </a:stretch>
-        </p:blipFill>
-        <p:spPr>
-          <a:xfrm>
-            <a:off x="2964119" y="1878653"/>
+            <a:off x="3478471" y="1878653"/>
             <a:ext cx="5265482" cy="4257035"/>
           </a:xfrm>
+          <a:ln w="66675">
+            <a:solidFill>
+              <a:schemeClr val="bg1"/>
+            </a:solidFill>
+          </a:ln>
         </p:spPr>
       </p:pic>
     </p:spTree>
@@ -5332,37 +5568,7 @@
 </p:sld>
 </file>
 
-<file path=ppt/slides/slide13.xml><?xml version="1.0" encoding="utf-8"?>
-<p:sld xmlns:a="http://schemas.openxmlformats.org/drawingml/2006/main" xmlns:r="http://schemas.openxmlformats.org/officeDocument/2006/relationships" xmlns:p="http://schemas.openxmlformats.org/presentationml/2006/main">
-  <p:cSld>
-    <p:spTree>
-      <p:nvGrpSpPr>
-        <p:cNvPr id="1" name=""/>
-        <p:cNvGrpSpPr/>
-        <p:nvPr/>
-      </p:nvGrpSpPr>
-      <p:grpSpPr>
-        <a:xfrm>
-          <a:off x="0" y="0"/>
-          <a:ext cx="0" cy="0"/>
-          <a:chOff x="0" y="0"/>
-          <a:chExt cx="0" cy="0"/>
-        </a:xfrm>
-      </p:grpSpPr>
-    </p:spTree>
-    <p:extLst>
-      <p:ext uri="{BB962C8B-B14F-4D97-AF65-F5344CB8AC3E}">
-        <p14:creationId xmlns:p14="http://schemas.microsoft.com/office/powerpoint/2010/main" val="1155037482"/>
-      </p:ext>
-    </p:extLst>
-  </p:cSld>
-  <p:clrMapOvr>
-    <a:masterClrMapping/>
-  </p:clrMapOvr>
-</p:sld>
-</file>
-
-<file path=ppt/slides/slide14.xml><?xml version="1.0" encoding="utf-8"?>
+<file path=ppt/slides/slide12.xml><?xml version="1.0" encoding="utf-8"?>
 <p:sld xmlns:a="http://schemas.openxmlformats.org/drawingml/2006/main" xmlns:r="http://schemas.openxmlformats.org/officeDocument/2006/relationships" xmlns:p="http://schemas.openxmlformats.org/presentationml/2006/main">
   <p:cSld>
     <p:spTree>
@@ -5540,7 +5746,7 @@
 </p:sld>
 </file>
 
-<file path=ppt/slides/slide15.xml><?xml version="1.0" encoding="utf-8"?>
+<file path=ppt/slides/slide13.xml><?xml version="1.0" encoding="utf-8"?>
 <p:sld xmlns:a="http://schemas.openxmlformats.org/drawingml/2006/main" xmlns:r="http://schemas.openxmlformats.org/officeDocument/2006/relationships" xmlns:p="http://schemas.openxmlformats.org/presentationml/2006/main">
   <p:cSld>
     <p:spTree>
@@ -6147,7 +6353,7 @@
 </p:sld>
 </file>
 
-<file path=ppt/slides/slide16.xml><?xml version="1.0" encoding="utf-8"?>
+<file path=ppt/slides/slide14.xml><?xml version="1.0" encoding="utf-8"?>
 <p:sld xmlns:a="http://schemas.openxmlformats.org/drawingml/2006/main" xmlns:r="http://schemas.openxmlformats.org/officeDocument/2006/relationships" xmlns:p="http://schemas.openxmlformats.org/presentationml/2006/main">
   <p:cSld>
     <p:spTree>
@@ -6337,15 +6543,7 @@
             </a:pPr>
             <a:r>
               <a:rPr lang="en-US" sz="1400" dirty="0" smtClean="0"/>
-              <a:t>Now the genes are treated as variables and </a:t>
-            </a:r>
-            <a:r>
-              <a:rPr lang="en-US" sz="1400" dirty="0" smtClean="0"/>
-              <a:t>the genotype-location-replicate </a:t>
-            </a:r>
-            <a:r>
-              <a:rPr lang="en-US" sz="1400" dirty="0" smtClean="0"/>
-              <a:t>data are treated as individual observations.</a:t>
+              <a:t>Now the genes are treated as variables and the genotype-location-replicate data are treated as individual observations.</a:t>
             </a:r>
           </a:p>
           <a:p>
@@ -6431,6 +6629,108 @@
       </p:par>
     </p:tnLst>
   </p:timing>
+</p:sld>
+</file>
+
+<file path=ppt/slides/slide15.xml><?xml version="1.0" encoding="utf-8"?>
+<p:sld xmlns:a="http://schemas.openxmlformats.org/drawingml/2006/main" xmlns:r="http://schemas.openxmlformats.org/officeDocument/2006/relationships" xmlns:p="http://schemas.openxmlformats.org/presentationml/2006/main">
+  <p:cSld>
+    <p:spTree>
+      <p:nvGrpSpPr>
+        <p:cNvPr id="1" name=""/>
+        <p:cNvGrpSpPr/>
+        <p:nvPr/>
+      </p:nvGrpSpPr>
+      <p:grpSpPr>
+        <a:xfrm>
+          <a:off x="0" y="0"/>
+          <a:ext cx="0" cy="0"/>
+          <a:chOff x="0" y="0"/>
+          <a:chExt cx="0" cy="0"/>
+        </a:xfrm>
+      </p:grpSpPr>
+      <p:sp>
+        <p:nvSpPr>
+          <p:cNvPr id="2" name="Title 1"/>
+          <p:cNvSpPr>
+            <a:spLocks noGrp="1"/>
+          </p:cNvSpPr>
+          <p:nvPr>
+            <p:ph type="title"/>
+          </p:nvPr>
+        </p:nvSpPr>
+        <p:spPr/>
+        <p:txBody>
+          <a:bodyPr/>
+          <a:lstStyle/>
+          <a:p>
+            <a:r>
+              <a:rPr lang="en-US" dirty="0" smtClean="0"/>
+              <a:t>Correlated Genes</a:t>
+            </a:r>
+            <a:endParaRPr lang="en-US" dirty="0"/>
+          </a:p>
+        </p:txBody>
+      </p:sp>
+      <p:sp>
+        <p:nvSpPr>
+          <p:cNvPr id="3" name="Content Placeholder 2"/>
+          <p:cNvSpPr>
+            <a:spLocks noGrp="1"/>
+          </p:cNvSpPr>
+          <p:nvPr>
+            <p:ph idx="1"/>
+          </p:nvPr>
+        </p:nvSpPr>
+        <p:spPr/>
+        <p:txBody>
+          <a:bodyPr>
+            <a:noAutofit/>
+          </a:bodyPr>
+          <a:lstStyle/>
+          <a:p>
+            <a:r>
+              <a:rPr lang="en-US" sz="2800" dirty="0" smtClean="0"/>
+              <a:t>Multiple genes are activated to produce a single response</a:t>
+            </a:r>
+          </a:p>
+          <a:p>
+            <a:pPr lvl="1">
+              <a:buFont typeface="Wingdings" charset="2"/>
+              <a:buChar char="Ø"/>
+            </a:pPr>
+            <a:r>
+              <a:rPr lang="en-US" sz="2800" dirty="0" smtClean="0"/>
+              <a:t>Falling asleep involves the brain, the </a:t>
+            </a:r>
+            <a:r>
+              <a:rPr lang="en-US" sz="2800" dirty="0" err="1" smtClean="0"/>
+              <a:t>enodcrine</a:t>
+            </a:r>
+            <a:r>
+              <a:rPr lang="en-US" sz="2800" dirty="0" smtClean="0"/>
+              <a:t> system, the respiratory system, the circulatory system, the immune system</a:t>
+            </a:r>
+            <a:endParaRPr lang="en-US" sz="2800" dirty="0"/>
+          </a:p>
+          <a:p>
+            <a:r>
+              <a:rPr lang="en-US" sz="2800" dirty="0" smtClean="0"/>
+              <a:t>Correlated genes can give us insight into physiological co-expression networks</a:t>
+            </a:r>
+          </a:p>
+        </p:txBody>
+      </p:sp>
+    </p:spTree>
+    <p:extLst>
+      <p:ext uri="{BB962C8B-B14F-4D97-AF65-F5344CB8AC3E}">
+        <p14:creationId xmlns:p14="http://schemas.microsoft.com/office/powerpoint/2010/main" val="1892114269"/>
+      </p:ext>
+    </p:extLst>
+  </p:cSld>
+  <p:clrMapOvr>
+    <a:masterClrMapping/>
+  </p:clrMapOvr>
 </p:sld>
 </file>
 
@@ -6592,6 +6892,98 @@
           <a:bodyPr/>
           <a:lstStyle/>
           <a:p>
+            <a:r>
+              <a:rPr lang="en-US" sz="2800" dirty="0" smtClean="0"/>
+              <a:t>Down-regulation: when a cell </a:t>
+            </a:r>
+            <a:r>
+              <a:rPr lang="en-US" sz="2800" b="1" dirty="0" smtClean="0"/>
+              <a:t>decreases</a:t>
+            </a:r>
+            <a:r>
+              <a:rPr lang="en-US" sz="2800" dirty="0" smtClean="0"/>
+              <a:t> the quantity of RNA (or protein) in response to a variable</a:t>
+            </a:r>
+          </a:p>
+          <a:p>
+            <a:pPr lvl="2">
+              <a:buFont typeface="Wingdings" charset="2"/>
+              <a:buChar char="Ø"/>
+            </a:pPr>
+            <a:r>
+              <a:rPr lang="en-US" sz="2400" dirty="0" smtClean="0"/>
+              <a:t>Insulin resistance</a:t>
+            </a:r>
+            <a:endParaRPr lang="en-US" sz="2400" dirty="0" smtClean="0"/>
+          </a:p>
+          <a:p>
+            <a:r>
+              <a:rPr lang="en-US" sz="2800" dirty="0" smtClean="0"/>
+              <a:t>Up-regulation: </a:t>
+            </a:r>
+            <a:r>
+              <a:rPr lang="en-US" sz="2800" dirty="0"/>
+              <a:t> when a cell </a:t>
+            </a:r>
+            <a:r>
+              <a:rPr lang="en-US" sz="2800" b="1" dirty="0" smtClean="0"/>
+              <a:t>increases</a:t>
+            </a:r>
+            <a:r>
+              <a:rPr lang="en-US" sz="2800" dirty="0" smtClean="0"/>
+              <a:t> </a:t>
+            </a:r>
+            <a:r>
+              <a:rPr lang="en-US" sz="2800" dirty="0"/>
+              <a:t>the quantity of </a:t>
+            </a:r>
+            <a:r>
+              <a:rPr lang="en-US" sz="2800" dirty="0" smtClean="0"/>
+              <a:t>RNA (or protein) </a:t>
+            </a:r>
+            <a:r>
+              <a:rPr lang="en-US" sz="2800" dirty="0"/>
+              <a:t>in response to </a:t>
+            </a:r>
+            <a:r>
+              <a:rPr lang="en-US" sz="2800" dirty="0" smtClean="0"/>
+              <a:t>a variable</a:t>
+            </a:r>
+          </a:p>
+          <a:p>
+            <a:pPr marL="891540" lvl="4" indent="-342900">
+              <a:spcBef>
+                <a:spcPts val="900"/>
+              </a:spcBef>
+              <a:buFont typeface="Wingdings" charset="2"/>
+              <a:buChar char="Ø"/>
+            </a:pPr>
+            <a:r>
+              <a:rPr lang="en-US" sz="2400" dirty="0"/>
+              <a:t>Alcohol dehydrogenase</a:t>
+            </a:r>
+          </a:p>
+          <a:p>
+            <a:r>
+              <a:rPr lang="en-US" sz="2800" dirty="0" smtClean="0"/>
+              <a:t>Is there a change in RNA-</a:t>
+            </a:r>
+            <a:r>
+              <a:rPr lang="en-US" sz="2800" dirty="0" err="1" smtClean="0"/>
+              <a:t>seq</a:t>
+            </a:r>
+            <a:r>
+              <a:rPr lang="en-US" sz="2800" dirty="0" smtClean="0"/>
+              <a:t> count in the sun vs the shade?</a:t>
+            </a:r>
+          </a:p>
+          <a:p>
+            <a:pPr marL="548640" lvl="2" indent="0">
+              <a:buNone/>
+            </a:pPr>
+            <a:endParaRPr lang="en-US" sz="2400" dirty="0"/>
+          </a:p>
+          <a:p>
             <a:endParaRPr lang="en-US" dirty="0"/>
           </a:p>
         </p:txBody>
@@ -6648,9 +7040,10 @@
           <a:bodyPr/>
           <a:lstStyle/>
           <a:p>
+            <a:pPr algn="ctr"/>
             <a:r>
               <a:rPr lang="en-US" dirty="0" smtClean="0"/>
-              <a:t>Correlated Genes</a:t>
+              <a:t>Big Data Challenges</a:t>
             </a:r>
             <a:endParaRPr lang="en-US" dirty="0"/>
           </a:p>
@@ -6668,23 +7061,110 @@
         </p:nvSpPr>
         <p:spPr/>
         <p:txBody>
-          <a:bodyPr/>
+          <a:bodyPr>
+            <a:normAutofit/>
+          </a:bodyPr>
           <a:lstStyle/>
           <a:p>
-            <a:endParaRPr lang="en-US"/>
+            <a:r>
+              <a:rPr lang="en-US" sz="2000" dirty="0" smtClean="0"/>
+              <a:t>Not collecting own data</a:t>
+            </a:r>
+          </a:p>
+          <a:p>
+            <a:pPr lvl="1"/>
+            <a:r>
+              <a:rPr lang="en-US" sz="2000" dirty="0" smtClean="0"/>
+              <a:t>Reliant on collaborators for data</a:t>
+            </a:r>
+            <a:endParaRPr lang="en-US" sz="2000" dirty="0"/>
+          </a:p>
+          <a:p>
+            <a:pPr lvl="1"/>
+            <a:r>
+              <a:rPr lang="en-US" sz="2000" dirty="0" smtClean="0"/>
+              <a:t>Limits the analyses you can perform</a:t>
+            </a:r>
+          </a:p>
+          <a:p>
+            <a:pPr lvl="2">
+              <a:buFont typeface="Wingdings" charset="2"/>
+              <a:buChar char="Ø"/>
+            </a:pPr>
+            <a:r>
+              <a:rPr lang="en-US" sz="2000" dirty="0" smtClean="0"/>
+              <a:t>Apical meristem only taken in the shade, only one floral </a:t>
+            </a:r>
+            <a:r>
+              <a:rPr lang="en-US" sz="2000" dirty="0" err="1" smtClean="0"/>
+              <a:t>merisem</a:t>
+            </a:r>
+            <a:r>
+              <a:rPr lang="en-US" sz="2000" dirty="0" smtClean="0"/>
+              <a:t> measurement</a:t>
+            </a:r>
+          </a:p>
+          <a:p>
+            <a:r>
+              <a:rPr lang="en-US" sz="2000" dirty="0"/>
+              <a:t>Data visualization</a:t>
+            </a:r>
+          </a:p>
+          <a:p>
+            <a:r>
+              <a:rPr lang="en-US" sz="2000" dirty="0"/>
+              <a:t>Computational time</a:t>
+            </a:r>
+          </a:p>
+          <a:p>
+            <a:r>
+              <a:rPr lang="en-US" sz="2000" dirty="0" smtClean="0"/>
+              <a:t>Big P small n </a:t>
+            </a:r>
+            <a:r>
+              <a:rPr lang="en-US" sz="2000" dirty="0" smtClean="0">
+                <a:sym typeface="Wingdings"/>
+              </a:rPr>
+              <a:t> many genes, few replicates</a:t>
+            </a:r>
+            <a:endParaRPr lang="en-US" sz="2000" dirty="0" smtClean="0"/>
+          </a:p>
+          <a:p>
+            <a:r>
+              <a:rPr lang="en-US" sz="2000" dirty="0" smtClean="0"/>
+              <a:t>Novel techniques </a:t>
+            </a:r>
+            <a:r>
+              <a:rPr lang="en-US" sz="2000" dirty="0" smtClean="0">
+                <a:sym typeface="Wingdings"/>
+              </a:rPr>
+              <a:t> </a:t>
+            </a:r>
+            <a:r>
+              <a:rPr lang="en-US" sz="2000" dirty="0" smtClean="0"/>
+              <a:t>less literature and resources </a:t>
+            </a:r>
+            <a:endParaRPr lang="en-US" sz="2000" dirty="0"/>
           </a:p>
         </p:txBody>
       </p:sp>
     </p:spTree>
     <p:extLst>
       <p:ext uri="{BB962C8B-B14F-4D97-AF65-F5344CB8AC3E}">
-        <p14:creationId xmlns:p14="http://schemas.microsoft.com/office/powerpoint/2010/main" val="1892114269"/>
+        <p14:creationId xmlns:p14="http://schemas.microsoft.com/office/powerpoint/2010/main" val="1378957806"/>
       </p:ext>
     </p:extLst>
   </p:cSld>
   <p:clrMapOvr>
     <a:masterClrMapping/>
   </p:clrMapOvr>
+  <p:timing>
+    <p:tnLst>
+      <p:par>
+        <p:cTn id="1" dur="indefinite" restart="never" nodeType="tmRoot"/>
+      </p:par>
+    </p:tnLst>
+  </p:timing>
 </p:sld>
 </file>
 
@@ -6723,7 +7203,15 @@
             <a:pPr algn="ctr"/>
             <a:r>
               <a:rPr lang="en-US" dirty="0" smtClean="0"/>
-              <a:t>Big Data Challenges</a:t>
+              <a:t>Why </a:t>
+            </a:r>
+            <a:r>
+              <a:rPr lang="en-US" dirty="0" err="1" smtClean="0"/>
+              <a:t>baySeq</a:t>
+            </a:r>
+            <a:r>
+              <a:rPr lang="en-US" dirty="0" smtClean="0"/>
+              <a:t>? Why Bayesian?</a:t>
             </a:r>
             <a:endParaRPr lang="en-US" dirty="0"/>
           </a:p>
@@ -6741,108 +7229,51 @@
         </p:nvSpPr>
         <p:spPr/>
         <p:txBody>
-          <a:bodyPr/>
+          <a:bodyPr>
+            <a:normAutofit/>
+          </a:bodyPr>
           <a:lstStyle/>
           <a:p>
             <a:r>
-              <a:rPr lang="en-US" dirty="0" smtClean="0"/>
-              <a:t>Not collecting own data</a:t>
-            </a:r>
-          </a:p>
-          <a:p>
-            <a:pPr lvl="1"/>
-            <a:r>
-              <a:rPr lang="en-US" dirty="0" smtClean="0"/>
-              <a:t>Reliant on collaborators for data</a:t>
-            </a:r>
-            <a:endParaRPr lang="en-US" dirty="0"/>
-          </a:p>
-          <a:p>
-            <a:pPr lvl="1"/>
-            <a:r>
-              <a:rPr lang="en-US" dirty="0" smtClean="0"/>
-              <a:t>Limits the analyses you can perform</a:t>
-            </a:r>
-          </a:p>
-          <a:p>
-            <a:pPr lvl="2">
+              <a:rPr lang="en-US" sz="2800" dirty="0" smtClean="0"/>
+              <a:t>Low FDR</a:t>
+            </a:r>
+          </a:p>
+          <a:p>
+            <a:r>
+              <a:rPr lang="en-US" sz="2800" dirty="0" smtClean="0"/>
+              <a:t>Posteriors can be fed in as priors for other Bayesian models</a:t>
+            </a:r>
+          </a:p>
+          <a:p>
+            <a:pPr lvl="1">
               <a:buFont typeface="Wingdings" charset="2"/>
               <a:buChar char="Ø"/>
             </a:pPr>
             <a:r>
-              <a:rPr lang="en-US" dirty="0" smtClean="0"/>
-              <a:t>Apical meristem only taken in the shade, only one floral </a:t>
-            </a:r>
-            <a:r>
-              <a:rPr lang="en-US" dirty="0" err="1" smtClean="0"/>
-              <a:t>merisem</a:t>
-            </a:r>
-            <a:r>
-              <a:rPr lang="en-US" dirty="0" smtClean="0"/>
-              <a:t> measurement</a:t>
-            </a:r>
-          </a:p>
-          <a:p>
-            <a:r>
-              <a:rPr lang="en-US" dirty="0"/>
-              <a:t>Data visualization</a:t>
-            </a:r>
-          </a:p>
-          <a:p>
-            <a:r>
-              <a:rPr lang="en-US" dirty="0"/>
-              <a:t>Computational time</a:t>
-            </a:r>
-          </a:p>
-          <a:p>
-            <a:r>
-              <a:rPr lang="en-US" dirty="0" smtClean="0"/>
-              <a:t>Big P small n </a:t>
-            </a:r>
-            <a:r>
-              <a:rPr lang="en-US" dirty="0" smtClean="0">
-                <a:sym typeface="Wingdings"/>
-              </a:rPr>
-              <a:t> many genes, few replicates</a:t>
-            </a:r>
-            <a:endParaRPr lang="en-US" dirty="0" smtClean="0"/>
-          </a:p>
-          <a:p>
-            <a:r>
-              <a:rPr lang="en-US" dirty="0" smtClean="0"/>
-              <a:t>Novel techniques </a:t>
-            </a:r>
-            <a:r>
-              <a:rPr lang="en-US" dirty="0" smtClean="0">
-                <a:sym typeface="Wingdings"/>
-              </a:rPr>
-              <a:t> </a:t>
-            </a:r>
-            <a:r>
-              <a:rPr lang="en-US" dirty="0" smtClean="0"/>
-              <a:t>less literature and resources </a:t>
-            </a:r>
-            <a:endParaRPr lang="en-US" dirty="0"/>
+              <a:rPr lang="en-US" sz="2800" dirty="0" smtClean="0"/>
+              <a:t>Inform biophysical process models, improving predictions for plant yield</a:t>
+            </a:r>
+          </a:p>
+          <a:p>
+            <a:r>
+              <a:rPr lang="en-US" sz="2800" dirty="0" smtClean="0"/>
+              <a:t>Bayesian models can be used with any distribution</a:t>
+            </a:r>
+            <a:endParaRPr lang="en-US" sz="2800" dirty="0"/>
           </a:p>
         </p:txBody>
       </p:sp>
     </p:spTree>
     <p:extLst>
       <p:ext uri="{BB962C8B-B14F-4D97-AF65-F5344CB8AC3E}">
-        <p14:creationId xmlns:p14="http://schemas.microsoft.com/office/powerpoint/2010/main" val="1378957806"/>
+        <p14:creationId xmlns:p14="http://schemas.microsoft.com/office/powerpoint/2010/main" val="1853860590"/>
       </p:ext>
     </p:extLst>
   </p:cSld>
   <p:clrMapOvr>
     <a:masterClrMapping/>
   </p:clrMapOvr>
-  <p:timing>
-    <p:tnLst>
-      <p:par>
-        <p:cTn id="1" dur="indefinite" restart="never" nodeType="tmRoot"/>
-      </p:par>
-    </p:tnLst>
-  </p:timing>
 </p:sld>
 </file>
 
@@ -6880,29 +7311,32 @@
           <a:p>
             <a:pPr algn="ctr"/>
             <a:r>
-              <a:rPr lang="en-US" dirty="0" smtClean="0"/>
-              <a:t>Why </a:t>
-            </a:r>
-            <a:r>
               <a:rPr lang="en-US" dirty="0" err="1" smtClean="0"/>
               <a:t>baySeq</a:t>
             </a:r>
             <a:r>
               <a:rPr lang="en-US" dirty="0" smtClean="0"/>
-              <a:t>? Why Bayesian?</a:t>
-            </a:r>
-            <a:endParaRPr lang="en-US" dirty="0"/>
-          </a:p>
-        </p:txBody>
-      </p:sp>
-      <p:sp>
-        <p:nvSpPr>
-          <p:cNvPr id="3" name="Content Placeholder 2"/>
-          <p:cNvSpPr>
-            <a:spLocks noGrp="1"/>
-          </p:cNvSpPr>
-          <p:nvPr>
-            <p:ph idx="1"/>
+              <a:t> vs </a:t>
+            </a:r>
+            <a:r>
+              <a:rPr lang="en-US" dirty="0" err="1"/>
+              <a:t>edgeR</a:t>
+            </a:r>
+            <a:r>
+              <a:rPr lang="en-US" dirty="0"/>
+              <a:t> </a:t>
+            </a:r>
+          </a:p>
+        </p:txBody>
+      </p:sp>
+      <p:sp>
+        <p:nvSpPr>
+          <p:cNvPr id="3" name="Text Placeholder 2"/>
+          <p:cNvSpPr>
+            <a:spLocks noGrp="1"/>
+          </p:cNvSpPr>
+          <p:nvPr>
+            <p:ph type="body" idx="1"/>
           </p:nvPr>
         </p:nvSpPr>
         <p:spPr/>
@@ -6913,108 +7347,21 @@
           <a:lstStyle/>
           <a:p>
             <a:r>
-              <a:rPr lang="en-US" sz="2800" dirty="0" smtClean="0"/>
-              <a:t>Low FDR</a:t>
-            </a:r>
-          </a:p>
-          <a:p>
-            <a:r>
-              <a:rPr lang="en-US" sz="2800" dirty="0" smtClean="0"/>
-              <a:t>Posteriors can be fed in as priors for other Bayesian models</a:t>
-            </a:r>
-          </a:p>
-          <a:p>
-            <a:pPr lvl="1">
-              <a:buFont typeface="Wingdings" charset="2"/>
-              <a:buChar char="Ø"/>
-            </a:pPr>
-            <a:r>
-              <a:rPr lang="en-US" sz="2800" dirty="0" smtClean="0"/>
-              <a:t>Inform biophysical process models, improving predictions for plant yield</a:t>
-            </a:r>
-          </a:p>
-          <a:p>
-            <a:r>
-              <a:rPr lang="en-US" sz="2800" dirty="0" smtClean="0"/>
-              <a:t>Bayesian models can be used with any distribution</a:t>
-            </a:r>
-            <a:endParaRPr lang="en-US" sz="2800" dirty="0"/>
-          </a:p>
-        </p:txBody>
-      </p:sp>
-    </p:spTree>
-    <p:extLst>
-      <p:ext uri="{BB962C8B-B14F-4D97-AF65-F5344CB8AC3E}">
-        <p14:creationId xmlns:p14="http://schemas.microsoft.com/office/powerpoint/2010/main" val="1853860590"/>
-      </p:ext>
-    </p:extLst>
-  </p:cSld>
-  <p:clrMapOvr>
-    <a:masterClrMapping/>
-  </p:clrMapOvr>
-</p:sld>
-</file>
-
-<file path=ppt/slides/slide7.xml><?xml version="1.0" encoding="utf-8"?>
-<p:sld xmlns:a="http://schemas.openxmlformats.org/drawingml/2006/main" xmlns:r="http://schemas.openxmlformats.org/officeDocument/2006/relationships" xmlns:p="http://schemas.openxmlformats.org/presentationml/2006/main">
-  <p:cSld>
-    <p:spTree>
-      <p:nvGrpSpPr>
-        <p:cNvPr id="1" name=""/>
-        <p:cNvGrpSpPr/>
-        <p:nvPr/>
-      </p:nvGrpSpPr>
-      <p:grpSpPr>
-        <a:xfrm>
-          <a:off x="0" y="0"/>
-          <a:ext cx="0" cy="0"/>
-          <a:chOff x="0" y="0"/>
-          <a:chExt cx="0" cy="0"/>
-        </a:xfrm>
-      </p:grpSpPr>
-      <p:sp>
-        <p:nvSpPr>
-          <p:cNvPr id="2" name="Title 1"/>
-          <p:cNvSpPr>
-            <a:spLocks noGrp="1"/>
-          </p:cNvSpPr>
-          <p:nvPr>
-            <p:ph type="title"/>
-          </p:nvPr>
-        </p:nvSpPr>
-        <p:spPr/>
-        <p:txBody>
-          <a:bodyPr/>
-          <a:lstStyle/>
-          <a:p>
-            <a:pPr algn="ctr"/>
-            <a:r>
-              <a:rPr lang="en-US" dirty="0" err="1" smtClean="0"/>
+              <a:rPr lang="en-US" sz="2400" dirty="0" err="1" smtClean="0"/>
               <a:t>baySeq</a:t>
             </a:r>
-            <a:r>
-              <a:rPr lang="en-US" dirty="0" smtClean="0"/>
-              <a:t> vs </a:t>
-            </a:r>
-            <a:r>
-              <a:rPr lang="en-US" dirty="0" err="1"/>
-              <a:t>edgeR</a:t>
-            </a:r>
-            <a:r>
-              <a:rPr lang="en-US" dirty="0"/>
-              <a:t> </a:t>
-            </a:r>
-          </a:p>
-        </p:txBody>
-      </p:sp>
-      <p:sp>
-        <p:nvSpPr>
-          <p:cNvPr id="3" name="Text Placeholder 2"/>
-          <p:cNvSpPr>
-            <a:spLocks noGrp="1"/>
-          </p:cNvSpPr>
-          <p:nvPr>
-            <p:ph type="body" idx="1"/>
+            <a:endParaRPr lang="en-US" sz="2400" dirty="0"/>
+          </a:p>
+        </p:txBody>
+      </p:sp>
+      <p:sp>
+        <p:nvSpPr>
+          <p:cNvPr id="4" name="Content Placeholder 3"/>
+          <p:cNvSpPr>
+            <a:spLocks noGrp="1"/>
+          </p:cNvSpPr>
+          <p:nvPr>
+            <p:ph sz="half" idx="2"/>
           </p:nvPr>
         </p:nvSpPr>
         <p:spPr/>
@@ -7025,21 +7372,56 @@
           <a:lstStyle/>
           <a:p>
             <a:r>
-              <a:rPr lang="en-US" sz="2400" dirty="0" err="1" smtClean="0"/>
-              <a:t>baySeq</a:t>
-            </a:r>
-            <a:endParaRPr lang="en-US" sz="2400" dirty="0"/>
-          </a:p>
-        </p:txBody>
-      </p:sp>
-      <p:sp>
-        <p:nvSpPr>
-          <p:cNvPr id="4" name="Content Placeholder 3"/>
-          <p:cNvSpPr>
-            <a:spLocks noGrp="1"/>
-          </p:cNvSpPr>
-          <p:nvPr>
-            <p:ph sz="half" idx="2"/>
+              <a:rPr lang="en-US" dirty="0" smtClean="0"/>
+              <a:t>Estimates </a:t>
+            </a:r>
+            <a:r>
+              <a:rPr lang="en-US" dirty="0"/>
+              <a:t>posterior likelihoods of DE via empirical Bayesian methods</a:t>
+            </a:r>
+          </a:p>
+          <a:p>
+            <a:r>
+              <a:rPr lang="en-US" dirty="0"/>
+              <a:t>Posterior probabilities and FDR estimates</a:t>
+            </a:r>
+          </a:p>
+          <a:p>
+            <a:r>
+              <a:rPr lang="en-US" dirty="0"/>
+              <a:t>Assumes Negative-Binomial distribution</a:t>
+            </a:r>
+          </a:p>
+          <a:p>
+            <a:r>
+              <a:rPr lang="en-US" dirty="0"/>
+              <a:t>Takes ~7hrs to run with parallel computing</a:t>
+            </a:r>
+          </a:p>
+          <a:p>
+            <a:r>
+              <a:rPr lang="en-US" dirty="0"/>
+              <a:t>Lower FDR than </a:t>
+            </a:r>
+            <a:r>
+              <a:rPr lang="en-US" dirty="0" err="1"/>
+              <a:t>edgeR</a:t>
+            </a:r>
+            <a:endParaRPr lang="en-US" dirty="0"/>
+          </a:p>
+          <a:p>
+            <a:endParaRPr lang="en-US" dirty="0"/>
+          </a:p>
+        </p:txBody>
+      </p:sp>
+      <p:sp>
+        <p:nvSpPr>
+          <p:cNvPr id="5" name="Text Placeholder 4"/>
+          <p:cNvSpPr>
+            <a:spLocks noGrp="1"/>
+          </p:cNvSpPr>
+          <p:nvPr>
+            <p:ph type="body" sz="quarter" idx="3"/>
           </p:nvPr>
         </p:nvSpPr>
         <p:spPr/>
@@ -7050,18 +7432,43 @@
           <a:lstStyle/>
           <a:p>
             <a:r>
-              <a:rPr lang="en-US" dirty="0" smtClean="0"/>
-              <a:t>Estimates </a:t>
-            </a:r>
+              <a:rPr lang="en-US" sz="2400" dirty="0" err="1"/>
+              <a:t>edgeR</a:t>
+            </a:r>
+            <a:endParaRPr lang="en-US" sz="2400" dirty="0"/>
+          </a:p>
+        </p:txBody>
+      </p:sp>
+      <p:sp>
+        <p:nvSpPr>
+          <p:cNvPr id="6" name="Content Placeholder 5"/>
+          <p:cNvSpPr>
+            <a:spLocks noGrp="1"/>
+          </p:cNvSpPr>
+          <p:nvPr>
+            <p:ph sz="quarter" idx="4"/>
+          </p:nvPr>
+        </p:nvSpPr>
+        <p:spPr/>
+        <p:txBody>
+          <a:bodyPr/>
+          <a:lstStyle/>
+          <a:p>
             <a:r>
               <a:rPr lang="en-US" dirty="0"/>
-              <a:t>posterior likelihoods of DE via empirical Bayesian methods</a:t>
+              <a:t>Uses empirical Bayes estimation</a:t>
             </a:r>
           </a:p>
           <a:p>
             <a:r>
               <a:rPr lang="en-US" dirty="0"/>
-              <a:t>Posterior probabilities and FDR estimates</a:t>
+              <a:t>Significance values for output</a:t>
+            </a:r>
+          </a:p>
+          <a:p>
+            <a:r>
+              <a:rPr lang="en-US" dirty="0"/>
+              <a:t>Takes seconds to run </a:t>
             </a:r>
           </a:p>
           <a:p>
@@ -7072,90 +7479,13 @@
           </a:p>
           <a:p>
             <a:r>
-              <a:rPr lang="en-US" dirty="0"/>
-              <a:t>Takes ~7hrs to run with parallel computing</a:t>
-            </a:r>
-          </a:p>
-          <a:p>
-            <a:r>
-              <a:rPr lang="en-US" dirty="0"/>
-              <a:t>Lower FDR than </a:t>
-            </a:r>
-            <a:r>
-              <a:rPr lang="en-US" dirty="0" err="1"/>
-              <a:t>edgeR</a:t>
-            </a:r>
-            <a:endParaRPr lang="en-US" dirty="0"/>
-          </a:p>
-          <a:p>
-            <a:endParaRPr lang="en-US" dirty="0"/>
-          </a:p>
-        </p:txBody>
-      </p:sp>
-      <p:sp>
-        <p:nvSpPr>
-          <p:cNvPr id="5" name="Text Placeholder 4"/>
-          <p:cNvSpPr>
-            <a:spLocks noGrp="1"/>
-          </p:cNvSpPr>
-          <p:nvPr>
-            <p:ph type="body" sz="quarter" idx="3"/>
-          </p:nvPr>
-        </p:nvSpPr>
-        <p:spPr/>
-        <p:txBody>
-          <a:bodyPr>
-            <a:normAutofit/>
-          </a:bodyPr>
-          <a:lstStyle/>
-          <a:p>
-            <a:r>
-              <a:rPr lang="en-US" sz="2400" dirty="0" err="1"/>
-              <a:t>edgeR</a:t>
-            </a:r>
-            <a:endParaRPr lang="en-US" sz="2400" dirty="0"/>
-          </a:p>
-        </p:txBody>
-      </p:sp>
-      <p:sp>
-        <p:nvSpPr>
-          <p:cNvPr id="6" name="Content Placeholder 5"/>
-          <p:cNvSpPr>
-            <a:spLocks noGrp="1"/>
-          </p:cNvSpPr>
-          <p:nvPr>
-            <p:ph sz="quarter" idx="4"/>
-          </p:nvPr>
-        </p:nvSpPr>
-        <p:spPr/>
-        <p:txBody>
-          <a:bodyPr/>
-          <a:lstStyle/>
-          <a:p>
-            <a:r>
-              <a:rPr lang="en-US" dirty="0"/>
-              <a:t>Uses empirical Bayes estimation</a:t>
-            </a:r>
-          </a:p>
-          <a:p>
-            <a:r>
-              <a:rPr lang="en-US" dirty="0"/>
-              <a:t>Significance values for output</a:t>
-            </a:r>
-          </a:p>
-          <a:p>
-            <a:r>
-              <a:rPr lang="en-US" dirty="0"/>
-              <a:t>Takes seconds to run </a:t>
-            </a:r>
-          </a:p>
-          <a:p>
-            <a:r>
-              <a:rPr lang="en-US" dirty="0"/>
-              <a:t>Assumes Negative-Binomial distribution</a:t>
-            </a:r>
-          </a:p>
-          <a:p>
+              <a:rPr lang="en-US" dirty="0" smtClean="0"/>
+              <a:t>More widely used than </a:t>
+            </a:r>
+            <a:r>
+              <a:rPr lang="en-US" dirty="0" err="1" smtClean="0"/>
+              <a:t>baySeq</a:t>
+            </a:r>
             <a:endParaRPr lang="en-US" dirty="0"/>
           </a:p>
         </p:txBody>
@@ -7180,7 +7510,7 @@
 </p:sld>
 </file>
 
-<file path=ppt/slides/slide8.xml><?xml version="1.0" encoding="utf-8"?>
+<file path=ppt/slides/slide7.xml><?xml version="1.0" encoding="utf-8"?>
 <p:sld xmlns:a="http://schemas.openxmlformats.org/drawingml/2006/main" xmlns:r="http://schemas.openxmlformats.org/officeDocument/2006/relationships" xmlns:p="http://schemas.openxmlformats.org/presentationml/2006/main">
   <p:cSld>
     <p:spTree>
@@ -7650,7 +7980,7 @@
 </p:sld>
 </file>
 
-<file path=ppt/slides/slide9.xml><?xml version="1.0" encoding="utf-8"?>
+<file path=ppt/slides/slide8.xml><?xml version="1.0" encoding="utf-8"?>
 <p:sld xmlns:a="http://schemas.openxmlformats.org/drawingml/2006/main" xmlns:r="http://schemas.openxmlformats.org/officeDocument/2006/relationships" xmlns:p="http://schemas.openxmlformats.org/presentationml/2006/main">
   <p:cSld>
     <p:spTree>
@@ -8122,6 +8452,164 @@
       </p:par>
     </p:tnLst>
   </p:timing>
+</p:sld>
+</file>
+
+<file path=ppt/slides/slide9.xml><?xml version="1.0" encoding="utf-8"?>
+<p:sld xmlns:a="http://schemas.openxmlformats.org/drawingml/2006/main" xmlns:r="http://schemas.openxmlformats.org/officeDocument/2006/relationships" xmlns:p="http://schemas.openxmlformats.org/presentationml/2006/main">
+  <p:cSld>
+    <p:spTree>
+      <p:nvGrpSpPr>
+        <p:cNvPr id="1" name=""/>
+        <p:cNvGrpSpPr/>
+        <p:nvPr/>
+      </p:nvGrpSpPr>
+      <p:grpSpPr>
+        <a:xfrm>
+          <a:off x="0" y="0"/>
+          <a:ext cx="0" cy="0"/>
+          <a:chOff x="0" y="0"/>
+          <a:chExt cx="0" cy="0"/>
+        </a:xfrm>
+      </p:grpSpPr>
+      <p:sp>
+        <p:nvSpPr>
+          <p:cNvPr id="2" name="Title 1"/>
+          <p:cNvSpPr>
+            <a:spLocks noGrp="1"/>
+          </p:cNvSpPr>
+          <p:nvPr>
+            <p:ph type="title"/>
+          </p:nvPr>
+        </p:nvSpPr>
+        <p:spPr>
+          <a:xfrm>
+            <a:off x="1066800" y="642594"/>
+            <a:ext cx="10058400" cy="1371600"/>
+          </a:xfrm>
+        </p:spPr>
+        <p:txBody>
+          <a:bodyPr/>
+          <a:lstStyle/>
+          <a:p>
+            <a:pPr algn="ctr"/>
+            <a:r>
+              <a:rPr lang="en-US" dirty="0" smtClean="0"/>
+              <a:t>What about variance?</a:t>
+            </a:r>
+            <a:endParaRPr lang="en-US" dirty="0"/>
+          </a:p>
+        </p:txBody>
+      </p:sp>
+      <p:pic>
+        <p:nvPicPr>
+          <p:cNvPr id="4" name="Content Placeholder 3"/>
+          <p:cNvPicPr>
+            <a:picLocks noGrp="1" noChangeAspect="1"/>
+          </p:cNvPicPr>
+          <p:nvPr>
+            <p:ph idx="1"/>
+          </p:nvPr>
+        </p:nvPicPr>
+        <p:blipFill>
+          <a:blip r:embed="rId2">
+            <a:extLst>
+              <a:ext uri="{28A0092B-C50C-407E-A947-70E740481C1C}">
+                <a14:useLocalDpi xmlns:a14="http://schemas.microsoft.com/office/drawing/2010/main" val="0"/>
+              </a:ext>
+            </a:extLst>
+          </a:blip>
+          <a:stretch>
+            <a:fillRect/>
+          </a:stretch>
+        </p:blipFill>
+        <p:spPr>
+          <a:xfrm>
+            <a:off x="2008981" y="2877932"/>
+            <a:ext cx="2625587" cy="2625587"/>
+          </a:xfrm>
+        </p:spPr>
+      </p:pic>
+      <p:pic>
+        <p:nvPicPr>
+          <p:cNvPr id="5" name="Picture 4"/>
+          <p:cNvPicPr>
+            <a:picLocks noChangeAspect="1"/>
+          </p:cNvPicPr>
+          <p:nvPr/>
+        </p:nvPicPr>
+        <p:blipFill>
+          <a:blip r:embed="rId3">
+            <a:extLst>
+              <a:ext uri="{28A0092B-C50C-407E-A947-70E740481C1C}">
+                <a14:useLocalDpi xmlns:a14="http://schemas.microsoft.com/office/drawing/2010/main" val="0"/>
+              </a:ext>
+            </a:extLst>
+          </a:blip>
+          <a:stretch>
+            <a:fillRect/>
+          </a:stretch>
+        </p:blipFill>
+        <p:spPr>
+          <a:xfrm>
+            <a:off x="1564102" y="2014194"/>
+            <a:ext cx="4070350" cy="4070350"/>
+          </a:xfrm>
+          <a:prstGeom prst="rect">
+            <a:avLst/>
+          </a:prstGeom>
+          <a:ln w="50800">
+            <a:solidFill>
+              <a:schemeClr val="bg1"/>
+            </a:solidFill>
+          </a:ln>
+        </p:spPr>
+      </p:pic>
+      <p:pic>
+        <p:nvPicPr>
+          <p:cNvPr id="6" name="Picture 5"/>
+          <p:cNvPicPr>
+            <a:picLocks noChangeAspect="1"/>
+          </p:cNvPicPr>
+          <p:nvPr/>
+        </p:nvPicPr>
+        <p:blipFill>
+          <a:blip r:embed="rId2">
+            <a:extLst>
+              <a:ext uri="{28A0092B-C50C-407E-A947-70E740481C1C}">
+                <a14:useLocalDpi xmlns:a14="http://schemas.microsoft.com/office/drawing/2010/main" val="0"/>
+              </a:ext>
+            </a:extLst>
+          </a:blip>
+          <a:stretch>
+            <a:fillRect/>
+          </a:stretch>
+        </p:blipFill>
+        <p:spPr>
+          <a:xfrm>
+            <a:off x="6484517" y="2014194"/>
+            <a:ext cx="4070350" cy="4070350"/>
+          </a:xfrm>
+          <a:prstGeom prst="rect">
+            <a:avLst/>
+          </a:prstGeom>
+          <a:ln w="50800">
+            <a:solidFill>
+              <a:schemeClr val="bg1"/>
+            </a:solidFill>
+          </a:ln>
+        </p:spPr>
+      </p:pic>
+    </p:spTree>
+    <p:extLst>
+      <p:ext uri="{BB962C8B-B14F-4D97-AF65-F5344CB8AC3E}">
+        <p14:creationId xmlns:p14="http://schemas.microsoft.com/office/powerpoint/2010/main" val="1589085817"/>
+      </p:ext>
+    </p:extLst>
+  </p:cSld>
+  <p:clrMapOvr>
+    <a:masterClrMapping/>
+  </p:clrMapOvr>
 </p:sld>
 </file>
 
